--- a/PhysiCell-Template (v1).pptx
+++ b/PhysiCell-Template (v1).pptx
@@ -5940,8 +5940,8 @@
           <a:lstStyle/>
           <a:p>
             <a:r>
-              <a:rPr lang="en-US" dirty="0" smtClean="0"/>
-              <a:t>Biological background</a:t>
+              <a:rPr lang="en-US" smtClean="0"/>
+              <a:t>Background</a:t>
             </a:r>
             <a:endParaRPr lang="en-US" dirty="0"/>
           </a:p>
